--- a/presentation/hackcooper presentation.pptx
+++ b/presentation/hackcooper presentation.pptx
@@ -2299,9 +2299,9 @@
               <a:buNone/>
             </a:pPr>
             <a:r>
-              <a:rPr lang="en"/>
-              <a:t>Now that we have a basic web server set up, think about how to structure app</a:t>
-            </a:r>
+              <a:t/>
+            </a:r>
+            <a:endParaRPr/>
           </a:p>
         </p:txBody>
       </p:sp>
@@ -2497,9 +2497,9 @@
               <a:buNone/>
             </a:pPr>
             <a:r>
-              <a:rPr lang="en"/>
-              <a:t>Now that we have a basic web server set up, think about how to structure app</a:t>
-            </a:r>
+              <a:t/>
+            </a:r>
+            <a:endParaRPr/>
           </a:p>
         </p:txBody>
       </p:sp>
@@ -2596,9 +2596,9 @@
               <a:buNone/>
             </a:pPr>
             <a:r>
-              <a:rPr lang="en"/>
-              <a:t>Now that we have a basic web server set up, think about how to structure app</a:t>
-            </a:r>
+              <a:t/>
+            </a:r>
+            <a:endParaRPr/>
           </a:p>
         </p:txBody>
       </p:sp>
@@ -25307,12 +25307,16 @@
             <a:endParaRPr/>
           </a:p>
           <a:p>
-            <a:pPr lvl="0" rtl="0" algn="ctr">
-              <a:spcBef>
-                <a:spcPts val="0"/>
-              </a:spcBef>
-              <a:buNone/>
-            </a:pPr>
+            <a:pPr indent="0" lvl="0" marL="0" rtl="0" algn="ctr">
+              <a:spcBef>
+                <a:spcPts val="0"/>
+              </a:spcBef>
+              <a:buNone/>
+            </a:pPr>
+            <a:r>
+              <a:rPr lang="en"/>
+              <a:t>go get </a:t>
+            </a:r>
             <a:r>
               <a:rPr lang="en" u="sng">
                 <a:solidFill>
@@ -25322,17 +25326,9 @@
               </a:rPr>
               <a:t>github.com/harrisonzhao/simple-golang-webapp</a:t>
             </a:r>
-          </a:p>
-          <a:p>
-            <a:pPr lvl="0" rtl="0" algn="ctr">
-              <a:spcBef>
-                <a:spcPts val="0"/>
-              </a:spcBef>
-              <a:buNone/>
-            </a:pPr>
             <a:r>
               <a:rPr lang="en"/>
-              <a:t>(you might need to fix some of the import paths)</a:t>
+              <a:t>/app</a:t>
             </a:r>
           </a:p>
         </p:txBody>
@@ -25979,7 +25975,7 @@
             </a:pPr>
             <a:r>
               <a:rPr lang="en" sz="2200"/>
-              <a:t>Familiar with APIs</a:t>
+              <a:t>Familiar with JSON</a:t>
             </a:r>
           </a:p>
         </p:txBody>
@@ -26691,44 +26687,44 @@
 </file>
 
 <file path=ppt/theme/theme1.xml><?xml version="1.0" encoding="utf-8"?>
-<a:theme xmlns:a="http://schemas.openxmlformats.org/drawingml/2006/main" xmlns:r="http://schemas.openxmlformats.org/officeDocument/2006/relationships" name="simple-light-2">
+<a:theme xmlns:a="http://schemas.openxmlformats.org/drawingml/2006/main" xmlns:r="http://schemas.openxmlformats.org/officeDocument/2006/relationships" name="Dark Master">
   <a:themeElements>
-    <a:clrScheme name="Simple Light">
+    <a:clrScheme name="Custom 1">
       <a:dk1>
-        <a:srgbClr val="000000"/>
+        <a:srgbClr val="273037"/>
       </a:dk1>
       <a:lt1>
         <a:srgbClr val="FFFFFF"/>
       </a:lt1>
       <a:dk2>
-        <a:srgbClr val="595959"/>
+        <a:srgbClr val="3B4853"/>
       </a:dk2>
       <a:lt2>
-        <a:srgbClr val="EEEEEE"/>
+        <a:srgbClr val="F4F5F6"/>
       </a:lt2>
       <a:accent1>
-        <a:srgbClr val="FFAB40"/>
+        <a:srgbClr val="50BEBE"/>
       </a:accent1>
       <a:accent2>
-        <a:srgbClr val="212121"/>
+        <a:srgbClr val="4472C4"/>
       </a:accent2>
       <a:accent3>
-        <a:srgbClr val="78909C"/>
+        <a:srgbClr val="912183"/>
       </a:accent3>
       <a:accent4>
-        <a:srgbClr val="FFAB40"/>
+        <a:srgbClr val="CE0058"/>
       </a:accent4>
       <a:accent5>
-        <a:srgbClr val="0097A7"/>
+        <a:srgbClr val="FF4800"/>
       </a:accent5>
       <a:accent6>
-        <a:srgbClr val="EEFF41"/>
+        <a:srgbClr val="FFB900"/>
       </a:accent6>
       <a:hlink>
-        <a:srgbClr val="0097A7"/>
+        <a:srgbClr val="29AD93"/>
       </a:hlink>
       <a:folHlink>
-        <a:srgbClr val="0097A7"/>
+        <a:srgbClr val="4081B6"/>
       </a:folHlink>
     </a:clrScheme>
     <a:fontScheme name="Office">
@@ -26970,44 +26966,44 @@
 </file>
 
 <file path=ppt/theme/theme2.xml><?xml version="1.0" encoding="utf-8"?>
-<a:theme xmlns:a="http://schemas.openxmlformats.org/drawingml/2006/main" xmlns:r="http://schemas.openxmlformats.org/officeDocument/2006/relationships" name="Dark Master">
+<a:theme xmlns:a="http://schemas.openxmlformats.org/drawingml/2006/main" xmlns:r="http://schemas.openxmlformats.org/officeDocument/2006/relationships" name="simple-light-2">
   <a:themeElements>
-    <a:clrScheme name="Custom 1">
+    <a:clrScheme name="Simple Light">
       <a:dk1>
-        <a:srgbClr val="273037"/>
+        <a:srgbClr val="000000"/>
       </a:dk1>
       <a:lt1>
         <a:srgbClr val="FFFFFF"/>
       </a:lt1>
       <a:dk2>
-        <a:srgbClr val="3B4853"/>
+        <a:srgbClr val="595959"/>
       </a:dk2>
       <a:lt2>
-        <a:srgbClr val="F4F5F6"/>
+        <a:srgbClr val="EEEEEE"/>
       </a:lt2>
       <a:accent1>
-        <a:srgbClr val="50BEBE"/>
+        <a:srgbClr val="FFAB40"/>
       </a:accent1>
       <a:accent2>
-        <a:srgbClr val="4472C4"/>
+        <a:srgbClr val="212121"/>
       </a:accent2>
       <a:accent3>
-        <a:srgbClr val="912183"/>
+        <a:srgbClr val="78909C"/>
       </a:accent3>
       <a:accent4>
-        <a:srgbClr val="CE0058"/>
+        <a:srgbClr val="FFAB40"/>
       </a:accent4>
       <a:accent5>
-        <a:srgbClr val="FF4800"/>
+        <a:srgbClr val="0097A7"/>
       </a:accent5>
       <a:accent6>
-        <a:srgbClr val="FFB900"/>
+        <a:srgbClr val="EEFF41"/>
       </a:accent6>
       <a:hlink>
-        <a:srgbClr val="29AD93"/>
+        <a:srgbClr val="0097A7"/>
       </a:hlink>
       <a:folHlink>
-        <a:srgbClr val="4081B6"/>
+        <a:srgbClr val="0097A7"/>
       </a:folHlink>
     </a:clrScheme>
     <a:fontScheme name="Office">
